--- a/0320/排序算法.pptx
+++ b/0320/排序算法.pptx
@@ -16,6 +16,16 @@
     <p:sldId id="264" r:id="rId10"/>
     <p:sldId id="265" r:id="rId11"/>
     <p:sldId id="266" r:id="rId12"/>
+    <p:sldId id="267" r:id="rId13"/>
+    <p:sldId id="268" r:id="rId14"/>
+    <p:sldId id="269" r:id="rId15"/>
+    <p:sldId id="270" r:id="rId16"/>
+    <p:sldId id="271" r:id="rId17"/>
+    <p:sldId id="272" r:id="rId18"/>
+    <p:sldId id="273" r:id="rId19"/>
+    <p:sldId id="274" r:id="rId20"/>
+    <p:sldId id="275" r:id="rId21"/>
+    <p:sldId id="276" r:id="rId22"/>
   </p:sldIdLst>
   <p:sldSz cx="12192000" cy="6858000"/>
   <p:notesSz cx="6858000" cy="9144000"/>
@@ -114,6 +124,11 @@
       </a:defRPr>
     </a:lvl9pPr>
   </p:defaultTextStyle>
+  <p:extLst>
+    <p:ext uri="{EFAFB233-063F-42B5-8137-9DF3F51BA10A}">
+      <p15:sldGuideLst xmlns:p15="http://schemas.microsoft.com/office/powerpoint/2012/main"/>
+    </p:ext>
+  </p:extLst>
 </p:presentation>
 </file>
 
@@ -264,7 +279,7 @@
           <a:p>
             <a:fld id="{34D21D4A-B784-D844-AA27-B51FFACE3979}" type="datetimeFigureOut">
               <a:rPr kumimoji="1" lang="zh-CN" altLang="en-US" smtClean="0"/>
-              <a:t>2021/3/20</a:t>
+              <a:t>2021/3/27</a:t>
             </a:fld>
             <a:endParaRPr kumimoji="1" lang="zh-CN" altLang="en-US"/>
           </a:p>
@@ -462,7 +477,7 @@
           <a:p>
             <a:fld id="{34D21D4A-B784-D844-AA27-B51FFACE3979}" type="datetimeFigureOut">
               <a:rPr kumimoji="1" lang="zh-CN" altLang="en-US" smtClean="0"/>
-              <a:t>2021/3/20</a:t>
+              <a:t>2021/3/27</a:t>
             </a:fld>
             <a:endParaRPr kumimoji="1" lang="zh-CN" altLang="en-US"/>
           </a:p>
@@ -670,7 +685,7 @@
           <a:p>
             <a:fld id="{34D21D4A-B784-D844-AA27-B51FFACE3979}" type="datetimeFigureOut">
               <a:rPr kumimoji="1" lang="zh-CN" altLang="en-US" smtClean="0"/>
-              <a:t>2021/3/20</a:t>
+              <a:t>2021/3/27</a:t>
             </a:fld>
             <a:endParaRPr kumimoji="1" lang="zh-CN" altLang="en-US"/>
           </a:p>
@@ -868,7 +883,7 @@
           <a:p>
             <a:fld id="{34D21D4A-B784-D844-AA27-B51FFACE3979}" type="datetimeFigureOut">
               <a:rPr kumimoji="1" lang="zh-CN" altLang="en-US" smtClean="0"/>
-              <a:t>2021/3/20</a:t>
+              <a:t>2021/3/27</a:t>
             </a:fld>
             <a:endParaRPr kumimoji="1" lang="zh-CN" altLang="en-US"/>
           </a:p>
@@ -1143,7 +1158,7 @@
           <a:p>
             <a:fld id="{34D21D4A-B784-D844-AA27-B51FFACE3979}" type="datetimeFigureOut">
               <a:rPr kumimoji="1" lang="zh-CN" altLang="en-US" smtClean="0"/>
-              <a:t>2021/3/20</a:t>
+              <a:t>2021/3/27</a:t>
             </a:fld>
             <a:endParaRPr kumimoji="1" lang="zh-CN" altLang="en-US"/>
           </a:p>
@@ -1408,7 +1423,7 @@
           <a:p>
             <a:fld id="{34D21D4A-B784-D844-AA27-B51FFACE3979}" type="datetimeFigureOut">
               <a:rPr kumimoji="1" lang="zh-CN" altLang="en-US" smtClean="0"/>
-              <a:t>2021/3/20</a:t>
+              <a:t>2021/3/27</a:t>
             </a:fld>
             <a:endParaRPr kumimoji="1" lang="zh-CN" altLang="en-US"/>
           </a:p>
@@ -1820,7 +1835,7 @@
           <a:p>
             <a:fld id="{34D21D4A-B784-D844-AA27-B51FFACE3979}" type="datetimeFigureOut">
               <a:rPr kumimoji="1" lang="zh-CN" altLang="en-US" smtClean="0"/>
-              <a:t>2021/3/20</a:t>
+              <a:t>2021/3/27</a:t>
             </a:fld>
             <a:endParaRPr kumimoji="1" lang="zh-CN" altLang="en-US"/>
           </a:p>
@@ -1961,7 +1976,7 @@
           <a:p>
             <a:fld id="{34D21D4A-B784-D844-AA27-B51FFACE3979}" type="datetimeFigureOut">
               <a:rPr kumimoji="1" lang="zh-CN" altLang="en-US" smtClean="0"/>
-              <a:t>2021/3/20</a:t>
+              <a:t>2021/3/27</a:t>
             </a:fld>
             <a:endParaRPr kumimoji="1" lang="zh-CN" altLang="en-US"/>
           </a:p>
@@ -2074,7 +2089,7 @@
           <a:p>
             <a:fld id="{34D21D4A-B784-D844-AA27-B51FFACE3979}" type="datetimeFigureOut">
               <a:rPr kumimoji="1" lang="zh-CN" altLang="en-US" smtClean="0"/>
-              <a:t>2021/3/20</a:t>
+              <a:t>2021/3/27</a:t>
             </a:fld>
             <a:endParaRPr kumimoji="1" lang="zh-CN" altLang="en-US"/>
           </a:p>
@@ -2385,7 +2400,7 @@
           <a:p>
             <a:fld id="{34D21D4A-B784-D844-AA27-B51FFACE3979}" type="datetimeFigureOut">
               <a:rPr kumimoji="1" lang="zh-CN" altLang="en-US" smtClean="0"/>
-              <a:t>2021/3/20</a:t>
+              <a:t>2021/3/27</a:t>
             </a:fld>
             <a:endParaRPr kumimoji="1" lang="zh-CN" altLang="en-US"/>
           </a:p>
@@ -2673,7 +2688,7 @@
           <a:p>
             <a:fld id="{34D21D4A-B784-D844-AA27-B51FFACE3979}" type="datetimeFigureOut">
               <a:rPr kumimoji="1" lang="zh-CN" altLang="en-US" smtClean="0"/>
-              <a:t>2021/3/20</a:t>
+              <a:t>2021/3/27</a:t>
             </a:fld>
             <a:endParaRPr kumimoji="1" lang="zh-CN" altLang="en-US"/>
           </a:p>
@@ -2914,7 +2929,7 @@
           <a:p>
             <a:fld id="{34D21D4A-B784-D844-AA27-B51FFACE3979}" type="datetimeFigureOut">
               <a:rPr kumimoji="1" lang="zh-CN" altLang="en-US" smtClean="0"/>
-              <a:t>2021/3/20</a:t>
+              <a:t>2021/3/27</a:t>
             </a:fld>
             <a:endParaRPr kumimoji="1" lang="zh-CN" altLang="en-US"/>
           </a:p>
@@ -3733,6 +3748,1025 @@
 </p:sld>
 </file>
 
+<file path=ppt/slides/slide12.xml><?xml version="1.0" encoding="utf-8"?>
+<p:sld xmlns:a="http://schemas.openxmlformats.org/drawingml/2006/main" xmlns:r="http://schemas.openxmlformats.org/officeDocument/2006/relationships" xmlns:p="http://schemas.openxmlformats.org/presentationml/2006/main">
+  <p:cSld>
+    <p:spTree>
+      <p:nvGrpSpPr>
+        <p:cNvPr id="1" name=""/>
+        <p:cNvGrpSpPr/>
+        <p:nvPr/>
+      </p:nvGrpSpPr>
+      <p:grpSpPr>
+        <a:xfrm>
+          <a:off x="0" y="0"/>
+          <a:ext cx="0" cy="0"/>
+          <a:chOff x="0" y="0"/>
+          <a:chExt cx="0" cy="0"/>
+        </a:xfrm>
+      </p:grpSpPr>
+      <p:sp>
+        <p:nvSpPr>
+          <p:cNvPr id="2" name="标题 1">
+            <a:extLst>
+              <a:ext uri="{FF2B5EF4-FFF2-40B4-BE49-F238E27FC236}">
+                <a16:creationId xmlns:a16="http://schemas.microsoft.com/office/drawing/2014/main" id="{A0DD88DD-2929-5740-A61F-0FEC7E586430}"/>
+              </a:ext>
+            </a:extLst>
+          </p:cNvPr>
+          <p:cNvSpPr>
+            <a:spLocks noGrp="1"/>
+          </p:cNvSpPr>
+          <p:nvPr>
+            <p:ph type="title"/>
+          </p:nvPr>
+        </p:nvSpPr>
+        <p:spPr/>
+        <p:txBody>
+          <a:bodyPr/>
+          <a:lstStyle/>
+          <a:p>
+            <a:r>
+              <a:rPr kumimoji="1" lang="zh-CN" altLang="en-US" dirty="0"/>
+              <a:t>快速排序</a:t>
+            </a:r>
+          </a:p>
+        </p:txBody>
+      </p:sp>
+      <p:sp>
+        <p:nvSpPr>
+          <p:cNvPr id="3" name="内容占位符 2">
+            <a:extLst>
+              <a:ext uri="{FF2B5EF4-FFF2-40B4-BE49-F238E27FC236}">
+                <a16:creationId xmlns:a16="http://schemas.microsoft.com/office/drawing/2014/main" id="{4FBA631C-F31D-8247-80B7-3FB72B25F924}"/>
+              </a:ext>
+            </a:extLst>
+          </p:cNvPr>
+          <p:cNvSpPr>
+            <a:spLocks noGrp="1"/>
+          </p:cNvSpPr>
+          <p:nvPr>
+            <p:ph idx="1"/>
+          </p:nvPr>
+        </p:nvSpPr>
+        <p:spPr/>
+        <p:txBody>
+          <a:bodyPr/>
+          <a:lstStyle/>
+          <a:p>
+            <a:r>
+              <a:rPr lang="zh-CN" altLang="en-US" b="1" dirty="0"/>
+              <a:t>快速排序</a:t>
+            </a:r>
+            <a:r>
+              <a:rPr lang="zh-CN" altLang="en-US" dirty="0"/>
+              <a:t> 的基本思想：通过一趟排序将待排记录分隔成独立的两部分，其中一部分记录的关键字均比另一部分的关键字小，则可分别对这两部分记录继续进行排序，以达到整个序列有序。</a:t>
+            </a:r>
+            <a:endParaRPr kumimoji="1" lang="zh-CN" altLang="en-US" dirty="0"/>
+          </a:p>
+        </p:txBody>
+      </p:sp>
+    </p:spTree>
+    <p:extLst>
+      <p:ext uri="{BB962C8B-B14F-4D97-AF65-F5344CB8AC3E}">
+        <p14:creationId xmlns:p14="http://schemas.microsoft.com/office/powerpoint/2010/main" val="92449084"/>
+      </p:ext>
+    </p:extLst>
+  </p:cSld>
+  <p:clrMapOvr>
+    <a:masterClrMapping/>
+  </p:clrMapOvr>
+</p:sld>
+</file>
+
+<file path=ppt/slides/slide13.xml><?xml version="1.0" encoding="utf-8"?>
+<p:sld xmlns:a="http://schemas.openxmlformats.org/drawingml/2006/main" xmlns:r="http://schemas.openxmlformats.org/officeDocument/2006/relationships" xmlns:p="http://schemas.openxmlformats.org/presentationml/2006/main">
+  <p:cSld>
+    <p:spTree>
+      <p:nvGrpSpPr>
+        <p:cNvPr id="1" name=""/>
+        <p:cNvGrpSpPr/>
+        <p:nvPr/>
+      </p:nvGrpSpPr>
+      <p:grpSpPr>
+        <a:xfrm>
+          <a:off x="0" y="0"/>
+          <a:ext cx="0" cy="0"/>
+          <a:chOff x="0" y="0"/>
+          <a:chExt cx="0" cy="0"/>
+        </a:xfrm>
+      </p:grpSpPr>
+      <p:sp>
+        <p:nvSpPr>
+          <p:cNvPr id="2" name="标题 1">
+            <a:extLst>
+              <a:ext uri="{FF2B5EF4-FFF2-40B4-BE49-F238E27FC236}">
+                <a16:creationId xmlns:a16="http://schemas.microsoft.com/office/drawing/2014/main" id="{639B2372-47AE-3043-9F37-6F577298CE40}"/>
+              </a:ext>
+            </a:extLst>
+          </p:cNvPr>
+          <p:cNvSpPr>
+            <a:spLocks noGrp="1"/>
+          </p:cNvSpPr>
+          <p:nvPr>
+            <p:ph type="title"/>
+          </p:nvPr>
+        </p:nvSpPr>
+        <p:spPr/>
+        <p:txBody>
+          <a:bodyPr/>
+          <a:lstStyle/>
+          <a:p>
+            <a:r>
+              <a:rPr kumimoji="1" lang="zh-CN" altLang="en-US" dirty="0"/>
+              <a:t>快速排序</a:t>
+            </a:r>
+          </a:p>
+        </p:txBody>
+      </p:sp>
+      <p:sp>
+        <p:nvSpPr>
+          <p:cNvPr id="3" name="内容占位符 2">
+            <a:extLst>
+              <a:ext uri="{FF2B5EF4-FFF2-40B4-BE49-F238E27FC236}">
+                <a16:creationId xmlns:a16="http://schemas.microsoft.com/office/drawing/2014/main" id="{C34F6268-9259-E042-9C40-FA7D3DF51E64}"/>
+              </a:ext>
+            </a:extLst>
+          </p:cNvPr>
+          <p:cNvSpPr>
+            <a:spLocks noGrp="1"/>
+          </p:cNvSpPr>
+          <p:nvPr>
+            <p:ph idx="1"/>
+          </p:nvPr>
+        </p:nvSpPr>
+        <p:spPr/>
+        <p:txBody>
+          <a:bodyPr>
+            <a:normAutofit/>
+          </a:bodyPr>
+          <a:lstStyle/>
+          <a:p>
+            <a:r>
+              <a:rPr kumimoji="1" lang="zh-CN" altLang="en-US" dirty="0"/>
+              <a:t>快速排序使用分治法来把一个串（</a:t>
+            </a:r>
+            <a:r>
+              <a:rPr kumimoji="1" lang="en" altLang="zh-CN" dirty="0"/>
+              <a:t>list</a:t>
+            </a:r>
+            <a:r>
+              <a:rPr kumimoji="1" lang="zh-CN" altLang="en" dirty="0"/>
+              <a:t>）</a:t>
+            </a:r>
+            <a:r>
+              <a:rPr kumimoji="1" lang="zh-CN" altLang="en-US" dirty="0"/>
+              <a:t>分为两个子串（</a:t>
+            </a:r>
+            <a:r>
+              <a:rPr kumimoji="1" lang="en" altLang="zh-CN" dirty="0"/>
+              <a:t>sub-lists</a:t>
+            </a:r>
+            <a:r>
+              <a:rPr kumimoji="1" lang="zh-CN" altLang="en" dirty="0"/>
+              <a:t>）。</a:t>
+            </a:r>
+            <a:r>
+              <a:rPr kumimoji="1" lang="zh-CN" altLang="en-US" dirty="0"/>
+              <a:t>具体算法描述如下：</a:t>
+            </a:r>
+          </a:p>
+          <a:p>
+            <a:r>
+              <a:rPr kumimoji="1" lang="zh-CN" altLang="en-US" dirty="0"/>
+              <a:t>步骤</a:t>
+            </a:r>
+            <a:r>
+              <a:rPr kumimoji="1" lang="en-US" altLang="zh-CN" dirty="0"/>
+              <a:t>1</a:t>
+            </a:r>
+            <a:r>
+              <a:rPr kumimoji="1" lang="zh-CN" altLang="en-US" dirty="0"/>
+              <a:t>：从数列中挑出一个元素，称为 “基准”（</a:t>
+            </a:r>
+            <a:r>
+              <a:rPr kumimoji="1" lang="en" altLang="zh-CN" dirty="0"/>
+              <a:t>pivot </a:t>
+            </a:r>
+            <a:r>
+              <a:rPr kumimoji="1" lang="zh-CN" altLang="en" dirty="0"/>
+              <a:t>）；</a:t>
+            </a:r>
+          </a:p>
+          <a:p>
+            <a:r>
+              <a:rPr kumimoji="1" lang="zh-CN" altLang="en-US" dirty="0"/>
+              <a:t>步骤</a:t>
+            </a:r>
+            <a:r>
+              <a:rPr kumimoji="1" lang="en-US" altLang="zh-CN" dirty="0"/>
+              <a:t>2</a:t>
+            </a:r>
+            <a:r>
+              <a:rPr kumimoji="1" lang="zh-CN" altLang="en-US" dirty="0"/>
+              <a:t>：重新排序数列，所有元素比基准值小的摆放在基准前面，所有元素比基准值大的摆在基准的后面（相同的数可以到任一边）。在这个分区退出之后，该基准就处于数列的中间位置。这个称为分区（</a:t>
+            </a:r>
+            <a:r>
+              <a:rPr kumimoji="1" lang="en" altLang="zh-CN" dirty="0"/>
+              <a:t>partition</a:t>
+            </a:r>
+            <a:r>
+              <a:rPr kumimoji="1" lang="zh-CN" altLang="en" dirty="0"/>
+              <a:t>）</a:t>
+            </a:r>
+            <a:r>
+              <a:rPr kumimoji="1" lang="zh-CN" altLang="en-US" dirty="0"/>
+              <a:t>操作；</a:t>
+            </a:r>
+          </a:p>
+          <a:p>
+            <a:r>
+              <a:rPr kumimoji="1" lang="zh-CN" altLang="en-US" dirty="0"/>
+              <a:t>步骤</a:t>
+            </a:r>
+            <a:r>
+              <a:rPr kumimoji="1" lang="en-US" altLang="zh-CN" dirty="0"/>
+              <a:t>3</a:t>
+            </a:r>
+            <a:r>
+              <a:rPr kumimoji="1" lang="zh-CN" altLang="en-US" dirty="0"/>
+              <a:t>：递归地（</a:t>
+            </a:r>
+            <a:r>
+              <a:rPr kumimoji="1" lang="en" altLang="zh-CN" dirty="0"/>
+              <a:t>recursive</a:t>
+            </a:r>
+            <a:r>
+              <a:rPr kumimoji="1" lang="zh-CN" altLang="en" dirty="0"/>
+              <a:t>）</a:t>
+            </a:r>
+            <a:r>
+              <a:rPr kumimoji="1" lang="zh-CN" altLang="en-US" dirty="0"/>
+              <a:t>把小于基准值元素的子数列和大于基准值元素的子数列排序。</a:t>
+            </a:r>
+          </a:p>
+        </p:txBody>
+      </p:sp>
+    </p:spTree>
+    <p:extLst>
+      <p:ext uri="{BB962C8B-B14F-4D97-AF65-F5344CB8AC3E}">
+        <p14:creationId xmlns:p14="http://schemas.microsoft.com/office/powerpoint/2010/main" val="3274845618"/>
+      </p:ext>
+    </p:extLst>
+  </p:cSld>
+  <p:clrMapOvr>
+    <a:masterClrMapping/>
+  </p:clrMapOvr>
+</p:sld>
+</file>
+
+<file path=ppt/slides/slide14.xml><?xml version="1.0" encoding="utf-8"?>
+<p:sld xmlns:a="http://schemas.openxmlformats.org/drawingml/2006/main" xmlns:r="http://schemas.openxmlformats.org/officeDocument/2006/relationships" xmlns:p="http://schemas.openxmlformats.org/presentationml/2006/main">
+  <p:cSld>
+    <p:spTree>
+      <p:nvGrpSpPr>
+        <p:cNvPr id="1" name=""/>
+        <p:cNvGrpSpPr/>
+        <p:nvPr/>
+      </p:nvGrpSpPr>
+      <p:grpSpPr>
+        <a:xfrm>
+          <a:off x="0" y="0"/>
+          <a:ext cx="0" cy="0"/>
+          <a:chOff x="0" y="0"/>
+          <a:chExt cx="0" cy="0"/>
+        </a:xfrm>
+      </p:grpSpPr>
+      <p:pic>
+        <p:nvPicPr>
+          <p:cNvPr id="1026" name="Picture 2" descr="image">
+            <a:extLst>
+              <a:ext uri="{FF2B5EF4-FFF2-40B4-BE49-F238E27FC236}">
+                <a16:creationId xmlns:a16="http://schemas.microsoft.com/office/drawing/2014/main" id="{F50E9A01-0A2E-CE4B-B015-D4C2B1377F35}"/>
+              </a:ext>
+            </a:extLst>
+          </p:cNvPr>
+          <p:cNvPicPr>
+            <a:picLocks noChangeAspect="1" noChangeArrowheads="1"/>
+          </p:cNvPicPr>
+          <p:nvPr/>
+        </p:nvPicPr>
+        <p:blipFill>
+          <a:blip r:embed="rId2">
+            <a:extLst>
+              <a:ext uri="{28A0092B-C50C-407E-A947-70E740481C1C}">
+                <a14:useLocalDpi xmlns:a14="http://schemas.microsoft.com/office/drawing/2010/main" val="0"/>
+              </a:ext>
+            </a:extLst>
+          </a:blip>
+          <a:srcRect/>
+          <a:stretch>
+            <a:fillRect/>
+          </a:stretch>
+        </p:blipFill>
+        <p:spPr bwMode="auto">
+          <a:xfrm>
+            <a:off x="946150" y="1828800"/>
+            <a:ext cx="10299700" cy="3200400"/>
+          </a:xfrm>
+          <a:prstGeom prst="rect">
+            <a:avLst/>
+          </a:prstGeom>
+          <a:noFill/>
+          <a:extLst>
+            <a:ext uri="{909E8E84-426E-40DD-AFC4-6F175D3DCCD1}">
+              <a14:hiddenFill xmlns:a14="http://schemas.microsoft.com/office/drawing/2010/main">
+                <a:solidFill>
+                  <a:srgbClr val="FFFFFF"/>
+                </a:solidFill>
+              </a14:hiddenFill>
+            </a:ext>
+          </a:extLst>
+        </p:spPr>
+      </p:pic>
+    </p:spTree>
+    <p:extLst>
+      <p:ext uri="{BB962C8B-B14F-4D97-AF65-F5344CB8AC3E}">
+        <p14:creationId xmlns:p14="http://schemas.microsoft.com/office/powerpoint/2010/main" val="2301897393"/>
+      </p:ext>
+    </p:extLst>
+  </p:cSld>
+  <p:clrMapOvr>
+    <a:masterClrMapping/>
+  </p:clrMapOvr>
+</p:sld>
+</file>
+
+<file path=ppt/slides/slide15.xml><?xml version="1.0" encoding="utf-8"?>
+<p:sld xmlns:a="http://schemas.openxmlformats.org/drawingml/2006/main" xmlns:r="http://schemas.openxmlformats.org/officeDocument/2006/relationships" xmlns:p="http://schemas.openxmlformats.org/presentationml/2006/main">
+  <p:cSld>
+    <p:spTree>
+      <p:nvGrpSpPr>
+        <p:cNvPr id="1" name=""/>
+        <p:cNvGrpSpPr/>
+        <p:nvPr/>
+      </p:nvGrpSpPr>
+      <p:grpSpPr>
+        <a:xfrm>
+          <a:off x="0" y="0"/>
+          <a:ext cx="0" cy="0"/>
+          <a:chOff x="0" y="0"/>
+          <a:chExt cx="0" cy="0"/>
+        </a:xfrm>
+      </p:grpSpPr>
+      <p:sp>
+        <p:nvSpPr>
+          <p:cNvPr id="2" name="标题 1">
+            <a:extLst>
+              <a:ext uri="{FF2B5EF4-FFF2-40B4-BE49-F238E27FC236}">
+                <a16:creationId xmlns:a16="http://schemas.microsoft.com/office/drawing/2014/main" id="{D412711B-27E6-E240-A081-DC330F1B8B6C}"/>
+              </a:ext>
+            </a:extLst>
+          </p:cNvPr>
+          <p:cNvSpPr>
+            <a:spLocks noGrp="1"/>
+          </p:cNvSpPr>
+          <p:nvPr>
+            <p:ph type="title"/>
+          </p:nvPr>
+        </p:nvSpPr>
+        <p:spPr/>
+        <p:txBody>
+          <a:bodyPr/>
+          <a:lstStyle/>
+          <a:p>
+            <a:r>
+              <a:rPr lang="zh-CN" altLang="en-US" b="1" dirty="0"/>
+              <a:t>计数排序（</a:t>
+            </a:r>
+            <a:r>
+              <a:rPr lang="en" altLang="zh-CN" b="1" dirty="0"/>
+              <a:t>Counting Sort</a:t>
+            </a:r>
+            <a:r>
+              <a:rPr lang="zh-CN" altLang="en" b="1" dirty="0"/>
+              <a:t>）</a:t>
+            </a:r>
+            <a:endParaRPr kumimoji="1" lang="zh-CN" altLang="en-US" dirty="0"/>
+          </a:p>
+        </p:txBody>
+      </p:sp>
+      <p:sp>
+        <p:nvSpPr>
+          <p:cNvPr id="3" name="内容占位符 2">
+            <a:extLst>
+              <a:ext uri="{FF2B5EF4-FFF2-40B4-BE49-F238E27FC236}">
+                <a16:creationId xmlns:a16="http://schemas.microsoft.com/office/drawing/2014/main" id="{9E308CA1-F6BD-7C47-9725-2707274D8BD3}"/>
+              </a:ext>
+            </a:extLst>
+          </p:cNvPr>
+          <p:cNvSpPr>
+            <a:spLocks noGrp="1"/>
+          </p:cNvSpPr>
+          <p:nvPr>
+            <p:ph idx="1"/>
+          </p:nvPr>
+        </p:nvSpPr>
+        <p:spPr/>
+        <p:txBody>
+          <a:bodyPr/>
+          <a:lstStyle/>
+          <a:p>
+            <a:r>
+              <a:rPr lang="zh-CN" altLang="en-US" b="1" dirty="0"/>
+              <a:t>计数排序</a:t>
+            </a:r>
+            <a:r>
+              <a:rPr lang="zh-CN" altLang="en-US" dirty="0"/>
+              <a:t> 的核心在于将输入的数据值转化为键存储在额外开辟的数组空间中。 作为一种线性时间复杂度的排序，计数排序要求输入的数据必须是</a:t>
+            </a:r>
+            <a:r>
+              <a:rPr lang="zh-CN" altLang="en-US" dirty="0">
+                <a:highlight>
+                  <a:srgbClr val="FFFF00"/>
+                </a:highlight>
+              </a:rPr>
+              <a:t>有确定范围的整数</a:t>
+            </a:r>
+            <a:r>
+              <a:rPr lang="zh-CN" altLang="en-US" dirty="0"/>
+              <a:t>。</a:t>
+            </a:r>
+            <a:endParaRPr kumimoji="1" lang="zh-CN" altLang="en-US" dirty="0"/>
+          </a:p>
+        </p:txBody>
+      </p:sp>
+    </p:spTree>
+    <p:extLst>
+      <p:ext uri="{BB962C8B-B14F-4D97-AF65-F5344CB8AC3E}">
+        <p14:creationId xmlns:p14="http://schemas.microsoft.com/office/powerpoint/2010/main" val="1200471086"/>
+      </p:ext>
+    </p:extLst>
+  </p:cSld>
+  <p:clrMapOvr>
+    <a:masterClrMapping/>
+  </p:clrMapOvr>
+</p:sld>
+</file>
+
+<file path=ppt/slides/slide16.xml><?xml version="1.0" encoding="utf-8"?>
+<p:sld xmlns:a="http://schemas.openxmlformats.org/drawingml/2006/main" xmlns:r="http://schemas.openxmlformats.org/officeDocument/2006/relationships" xmlns:p="http://schemas.openxmlformats.org/presentationml/2006/main">
+  <p:cSld>
+    <p:spTree>
+      <p:nvGrpSpPr>
+        <p:cNvPr id="1" name=""/>
+        <p:cNvGrpSpPr/>
+        <p:nvPr/>
+      </p:nvGrpSpPr>
+      <p:grpSpPr>
+        <a:xfrm>
+          <a:off x="0" y="0"/>
+          <a:ext cx="0" cy="0"/>
+          <a:chOff x="0" y="0"/>
+          <a:chExt cx="0" cy="0"/>
+        </a:xfrm>
+      </p:grpSpPr>
+      <p:sp>
+        <p:nvSpPr>
+          <p:cNvPr id="3" name="内容占位符 2">
+            <a:extLst>
+              <a:ext uri="{FF2B5EF4-FFF2-40B4-BE49-F238E27FC236}">
+                <a16:creationId xmlns:a16="http://schemas.microsoft.com/office/drawing/2014/main" id="{81A940B9-45C6-B64B-AD1B-8496D9B61AF7}"/>
+              </a:ext>
+            </a:extLst>
+          </p:cNvPr>
+          <p:cNvSpPr>
+            <a:spLocks noGrp="1"/>
+          </p:cNvSpPr>
+          <p:nvPr>
+            <p:ph idx="1"/>
+          </p:nvPr>
+        </p:nvSpPr>
+        <p:spPr/>
+        <p:txBody>
+          <a:bodyPr/>
+          <a:lstStyle/>
+          <a:p>
+            <a:r>
+              <a:rPr lang="zh-CN" altLang="en-US" b="1" dirty="0"/>
+              <a:t>计数排序</a:t>
+            </a:r>
+            <a:r>
+              <a:rPr lang="en-US" altLang="zh-CN" b="1" dirty="0"/>
+              <a:t>(</a:t>
+            </a:r>
+            <a:r>
+              <a:rPr lang="en" altLang="zh-CN" b="1" dirty="0"/>
+              <a:t>Counting sort)</a:t>
+            </a:r>
+            <a:r>
+              <a:rPr lang="en" altLang="zh-CN" dirty="0"/>
+              <a:t> </a:t>
+            </a:r>
+            <a:r>
+              <a:rPr lang="zh-CN" altLang="en-US" dirty="0"/>
+              <a:t>是一种稳定的排序算法。计数排序使用一个额外的数组</a:t>
+            </a:r>
+            <a:r>
+              <a:rPr lang="en" altLang="zh-CN" dirty="0"/>
+              <a:t>C</a:t>
+            </a:r>
+            <a:r>
+              <a:rPr lang="zh-CN" altLang="en" dirty="0"/>
+              <a:t>，</a:t>
+            </a:r>
+            <a:r>
+              <a:rPr lang="zh-CN" altLang="en-US" dirty="0"/>
+              <a:t>其中第</a:t>
+            </a:r>
+            <a:r>
+              <a:rPr lang="en" altLang="zh-CN" dirty="0" err="1"/>
+              <a:t>i</a:t>
+            </a:r>
+            <a:r>
+              <a:rPr lang="zh-CN" altLang="en-US" dirty="0"/>
+              <a:t>个元素是待排序数组</a:t>
+            </a:r>
+            <a:r>
+              <a:rPr lang="en" altLang="zh-CN" dirty="0"/>
+              <a:t>A</a:t>
+            </a:r>
+            <a:r>
+              <a:rPr lang="zh-CN" altLang="en-US" dirty="0"/>
+              <a:t>中值等于</a:t>
+            </a:r>
+            <a:r>
+              <a:rPr lang="en" altLang="zh-CN" dirty="0" err="1"/>
+              <a:t>i</a:t>
+            </a:r>
+            <a:r>
+              <a:rPr lang="zh-CN" altLang="en-US" dirty="0"/>
+              <a:t>的元素的个数。然后根据数组</a:t>
+            </a:r>
+            <a:r>
+              <a:rPr lang="en" altLang="zh-CN" dirty="0"/>
+              <a:t>C</a:t>
+            </a:r>
+            <a:r>
+              <a:rPr lang="zh-CN" altLang="en-US" dirty="0"/>
+              <a:t>来将</a:t>
+            </a:r>
+            <a:r>
+              <a:rPr lang="en" altLang="zh-CN" dirty="0"/>
+              <a:t>A</a:t>
+            </a:r>
+            <a:r>
+              <a:rPr lang="zh-CN" altLang="en-US" dirty="0"/>
+              <a:t>中的元素排到正确的位置。它只能对整数进行排序。</a:t>
+            </a:r>
+            <a:endParaRPr kumimoji="1" lang="zh-CN" altLang="en-US" dirty="0"/>
+          </a:p>
+        </p:txBody>
+      </p:sp>
+    </p:spTree>
+    <p:extLst>
+      <p:ext uri="{BB962C8B-B14F-4D97-AF65-F5344CB8AC3E}">
+        <p14:creationId xmlns:p14="http://schemas.microsoft.com/office/powerpoint/2010/main" val="1979364186"/>
+      </p:ext>
+    </p:extLst>
+  </p:cSld>
+  <p:clrMapOvr>
+    <a:masterClrMapping/>
+  </p:clrMapOvr>
+</p:sld>
+</file>
+
+<file path=ppt/slides/slide17.xml><?xml version="1.0" encoding="utf-8"?>
+<p:sld xmlns:a="http://schemas.openxmlformats.org/drawingml/2006/main" xmlns:r="http://schemas.openxmlformats.org/officeDocument/2006/relationships" xmlns:p="http://schemas.openxmlformats.org/presentationml/2006/main">
+  <p:cSld>
+    <p:spTree>
+      <p:nvGrpSpPr>
+        <p:cNvPr id="1" name=""/>
+        <p:cNvGrpSpPr/>
+        <p:nvPr/>
+      </p:nvGrpSpPr>
+      <p:grpSpPr>
+        <a:xfrm>
+          <a:off x="0" y="0"/>
+          <a:ext cx="0" cy="0"/>
+          <a:chOff x="0" y="0"/>
+          <a:chExt cx="0" cy="0"/>
+        </a:xfrm>
+      </p:grpSpPr>
+      <p:sp>
+        <p:nvSpPr>
+          <p:cNvPr id="2" name="标题 1">
+            <a:extLst>
+              <a:ext uri="{FF2B5EF4-FFF2-40B4-BE49-F238E27FC236}">
+                <a16:creationId xmlns:a16="http://schemas.microsoft.com/office/drawing/2014/main" id="{7D040ACD-4761-C145-88DE-A25527FBE4DA}"/>
+              </a:ext>
+            </a:extLst>
+          </p:cNvPr>
+          <p:cNvSpPr>
+            <a:spLocks noGrp="1"/>
+          </p:cNvSpPr>
+          <p:nvPr>
+            <p:ph type="title"/>
+          </p:nvPr>
+        </p:nvSpPr>
+        <p:spPr/>
+        <p:txBody>
+          <a:bodyPr/>
+          <a:lstStyle/>
+          <a:p>
+            <a:r>
+              <a:rPr kumimoji="1" lang="zh-CN" altLang="en-US" dirty="0"/>
+              <a:t>计数排序</a:t>
+            </a:r>
+          </a:p>
+        </p:txBody>
+      </p:sp>
+      <p:sp>
+        <p:nvSpPr>
+          <p:cNvPr id="3" name="内容占位符 2">
+            <a:extLst>
+              <a:ext uri="{FF2B5EF4-FFF2-40B4-BE49-F238E27FC236}">
+                <a16:creationId xmlns:a16="http://schemas.microsoft.com/office/drawing/2014/main" id="{5EF981D8-9170-9A4B-A17F-E99B20C3E82E}"/>
+              </a:ext>
+            </a:extLst>
+          </p:cNvPr>
+          <p:cNvSpPr>
+            <a:spLocks noGrp="1"/>
+          </p:cNvSpPr>
+          <p:nvPr>
+            <p:ph idx="1"/>
+          </p:nvPr>
+        </p:nvSpPr>
+        <p:spPr/>
+        <p:txBody>
+          <a:bodyPr/>
+          <a:lstStyle/>
+          <a:p>
+            <a:r>
+              <a:rPr lang="zh-CN" altLang="en-US" dirty="0"/>
+              <a:t>步骤</a:t>
+            </a:r>
+            <a:r>
+              <a:rPr lang="en-US" altLang="zh-CN" dirty="0"/>
+              <a:t>1</a:t>
+            </a:r>
+            <a:r>
+              <a:rPr lang="zh-CN" altLang="en-US" dirty="0"/>
+              <a:t>：找出待排序的数组中最大和最小的元素；</a:t>
+            </a:r>
+          </a:p>
+          <a:p>
+            <a:r>
+              <a:rPr lang="zh-CN" altLang="en-US" dirty="0"/>
+              <a:t>步骤</a:t>
+            </a:r>
+            <a:r>
+              <a:rPr lang="en-US" altLang="zh-CN" dirty="0"/>
+              <a:t>2</a:t>
+            </a:r>
+            <a:r>
+              <a:rPr lang="zh-CN" altLang="en-US" dirty="0"/>
+              <a:t>：统计数组中每个值为</a:t>
+            </a:r>
+            <a:r>
+              <a:rPr lang="en" altLang="zh-CN" dirty="0" err="1"/>
+              <a:t>i</a:t>
+            </a:r>
+            <a:r>
+              <a:rPr lang="zh-CN" altLang="en-US" dirty="0"/>
+              <a:t>的元素出现的次数，存入数组</a:t>
+            </a:r>
+            <a:r>
+              <a:rPr lang="en" altLang="zh-CN" dirty="0"/>
+              <a:t>C</a:t>
+            </a:r>
+            <a:r>
+              <a:rPr lang="zh-CN" altLang="en-US" dirty="0"/>
+              <a:t>的第</a:t>
+            </a:r>
+            <a:r>
+              <a:rPr lang="en" altLang="zh-CN" dirty="0" err="1"/>
+              <a:t>i</a:t>
+            </a:r>
+            <a:r>
+              <a:rPr lang="zh-CN" altLang="en-US" dirty="0"/>
+              <a:t>项；</a:t>
+            </a:r>
+          </a:p>
+          <a:p>
+            <a:r>
+              <a:rPr lang="zh-CN" altLang="en-US" dirty="0"/>
+              <a:t>步骤</a:t>
+            </a:r>
+            <a:r>
+              <a:rPr lang="en-US" altLang="zh-CN" dirty="0"/>
+              <a:t>3</a:t>
+            </a:r>
+            <a:r>
+              <a:rPr lang="zh-CN" altLang="en-US" dirty="0"/>
+              <a:t>：对所有的计数累加（从</a:t>
+            </a:r>
+            <a:r>
+              <a:rPr lang="en" altLang="zh-CN" dirty="0"/>
+              <a:t>C</a:t>
+            </a:r>
+            <a:r>
+              <a:rPr lang="zh-CN" altLang="en-US" dirty="0"/>
+              <a:t>中的第一个元素开始，每一项和前一项相加）；</a:t>
+            </a:r>
+          </a:p>
+          <a:p>
+            <a:r>
+              <a:rPr lang="zh-CN" altLang="en-US" dirty="0"/>
+              <a:t>步骤</a:t>
+            </a:r>
+            <a:r>
+              <a:rPr lang="en-US" altLang="zh-CN" dirty="0"/>
+              <a:t>4</a:t>
+            </a:r>
+            <a:r>
+              <a:rPr lang="zh-CN" altLang="en-US" dirty="0"/>
+              <a:t>：反向填充目标数组：将每个元素</a:t>
+            </a:r>
+            <a:r>
+              <a:rPr lang="en" altLang="zh-CN" dirty="0" err="1"/>
+              <a:t>i</a:t>
+            </a:r>
+            <a:r>
+              <a:rPr lang="zh-CN" altLang="en-US" dirty="0"/>
+              <a:t>放在新数组的第</a:t>
+            </a:r>
+            <a:r>
+              <a:rPr lang="en" altLang="zh-CN" dirty="0"/>
+              <a:t>C(</a:t>
+            </a:r>
+            <a:r>
+              <a:rPr lang="en" altLang="zh-CN" dirty="0" err="1"/>
+              <a:t>i</a:t>
+            </a:r>
+            <a:r>
+              <a:rPr lang="en" altLang="zh-CN" dirty="0"/>
+              <a:t>)</a:t>
+            </a:r>
+            <a:r>
+              <a:rPr lang="zh-CN" altLang="en-US" dirty="0"/>
+              <a:t>项，每放一个元素就将</a:t>
+            </a:r>
+            <a:r>
+              <a:rPr lang="en" altLang="zh-CN" dirty="0"/>
+              <a:t>C(</a:t>
+            </a:r>
+            <a:r>
+              <a:rPr lang="en" altLang="zh-CN" dirty="0" err="1"/>
+              <a:t>i</a:t>
+            </a:r>
+            <a:r>
+              <a:rPr lang="en" altLang="zh-CN" dirty="0"/>
+              <a:t>)</a:t>
+            </a:r>
+            <a:r>
+              <a:rPr lang="zh-CN" altLang="en-US" dirty="0"/>
+              <a:t>减去</a:t>
+            </a:r>
+            <a:r>
+              <a:rPr lang="en-US" altLang="zh-CN" dirty="0"/>
+              <a:t>1</a:t>
+            </a:r>
+            <a:r>
+              <a:rPr lang="zh-CN" altLang="en-US" dirty="0"/>
+              <a:t>。</a:t>
+            </a:r>
+          </a:p>
+          <a:p>
+            <a:endParaRPr kumimoji="1" lang="zh-CN" altLang="en-US" dirty="0"/>
+          </a:p>
+        </p:txBody>
+      </p:sp>
+    </p:spTree>
+    <p:extLst>
+      <p:ext uri="{BB962C8B-B14F-4D97-AF65-F5344CB8AC3E}">
+        <p14:creationId xmlns:p14="http://schemas.microsoft.com/office/powerpoint/2010/main" val="2362199142"/>
+      </p:ext>
+    </p:extLst>
+  </p:cSld>
+  <p:clrMapOvr>
+    <a:masterClrMapping/>
+  </p:clrMapOvr>
+</p:sld>
+</file>
+
+<file path=ppt/slides/slide18.xml><?xml version="1.0" encoding="utf-8"?>
+<p:sld xmlns:a="http://schemas.openxmlformats.org/drawingml/2006/main" xmlns:r="http://schemas.openxmlformats.org/officeDocument/2006/relationships" xmlns:p="http://schemas.openxmlformats.org/presentationml/2006/main">
+  <p:cSld>
+    <p:spTree>
+      <p:nvGrpSpPr>
+        <p:cNvPr id="1" name=""/>
+        <p:cNvGrpSpPr/>
+        <p:nvPr/>
+      </p:nvGrpSpPr>
+      <p:grpSpPr>
+        <a:xfrm>
+          <a:off x="0" y="0"/>
+          <a:ext cx="0" cy="0"/>
+          <a:chOff x="0" y="0"/>
+          <a:chExt cx="0" cy="0"/>
+        </a:xfrm>
+      </p:grpSpPr>
+      <p:pic>
+        <p:nvPicPr>
+          <p:cNvPr id="2052" name="Picture 4" descr="image">
+            <a:extLst>
+              <a:ext uri="{FF2B5EF4-FFF2-40B4-BE49-F238E27FC236}">
+                <a16:creationId xmlns:a16="http://schemas.microsoft.com/office/drawing/2014/main" id="{DE367B8A-671A-3B46-8047-5E70A6EA20D4}"/>
+              </a:ext>
+            </a:extLst>
+          </p:cNvPr>
+          <p:cNvPicPr>
+            <a:picLocks noChangeAspect="1" noChangeArrowheads="1"/>
+          </p:cNvPicPr>
+          <p:nvPr/>
+        </p:nvPicPr>
+        <p:blipFill>
+          <a:blip r:embed="rId2">
+            <a:extLst>
+              <a:ext uri="{28A0092B-C50C-407E-A947-70E740481C1C}">
+                <a14:useLocalDpi xmlns:a14="http://schemas.microsoft.com/office/drawing/2010/main" val="0"/>
+              </a:ext>
+            </a:extLst>
+          </a:blip>
+          <a:srcRect/>
+          <a:stretch>
+            <a:fillRect/>
+          </a:stretch>
+        </p:blipFill>
+        <p:spPr bwMode="auto">
+          <a:xfrm>
+            <a:off x="1453661" y="873900"/>
+            <a:ext cx="9284677" cy="5110200"/>
+          </a:xfrm>
+          <a:prstGeom prst="rect">
+            <a:avLst/>
+          </a:prstGeom>
+          <a:noFill/>
+          <a:extLst>
+            <a:ext uri="{909E8E84-426E-40DD-AFC4-6F175D3DCCD1}">
+              <a14:hiddenFill xmlns:a14="http://schemas.microsoft.com/office/drawing/2010/main">
+                <a:solidFill>
+                  <a:srgbClr val="FFFFFF"/>
+                </a:solidFill>
+              </a14:hiddenFill>
+            </a:ext>
+          </a:extLst>
+        </p:spPr>
+      </p:pic>
+    </p:spTree>
+    <p:extLst>
+      <p:ext uri="{BB962C8B-B14F-4D97-AF65-F5344CB8AC3E}">
+        <p14:creationId xmlns:p14="http://schemas.microsoft.com/office/powerpoint/2010/main" val="3993467591"/>
+      </p:ext>
+    </p:extLst>
+  </p:cSld>
+  <p:clrMapOvr>
+    <a:masterClrMapping/>
+  </p:clrMapOvr>
+</p:sld>
+</file>
+
+<file path=ppt/slides/slide19.xml><?xml version="1.0" encoding="utf-8"?>
+<p:sld xmlns:a="http://schemas.openxmlformats.org/drawingml/2006/main" xmlns:r="http://schemas.openxmlformats.org/officeDocument/2006/relationships" xmlns:p="http://schemas.openxmlformats.org/presentationml/2006/main">
+  <p:cSld>
+    <p:spTree>
+      <p:nvGrpSpPr>
+        <p:cNvPr id="1" name=""/>
+        <p:cNvGrpSpPr/>
+        <p:nvPr/>
+      </p:nvGrpSpPr>
+      <p:grpSpPr>
+        <a:xfrm>
+          <a:off x="0" y="0"/>
+          <a:ext cx="0" cy="0"/>
+          <a:chOff x="0" y="0"/>
+          <a:chExt cx="0" cy="0"/>
+        </a:xfrm>
+      </p:grpSpPr>
+      <p:sp>
+        <p:nvSpPr>
+          <p:cNvPr id="2" name="标题 1">
+            <a:extLst>
+              <a:ext uri="{FF2B5EF4-FFF2-40B4-BE49-F238E27FC236}">
+                <a16:creationId xmlns:a16="http://schemas.microsoft.com/office/drawing/2014/main" id="{A99F2B60-9166-A14F-94D7-66722BB5A731}"/>
+              </a:ext>
+            </a:extLst>
+          </p:cNvPr>
+          <p:cNvSpPr>
+            <a:spLocks noGrp="1"/>
+          </p:cNvSpPr>
+          <p:nvPr>
+            <p:ph type="title"/>
+          </p:nvPr>
+        </p:nvSpPr>
+        <p:spPr/>
+        <p:txBody>
+          <a:bodyPr/>
+          <a:lstStyle/>
+          <a:p>
+            <a:r>
+              <a:rPr lang="zh-CN" altLang="en-US" b="1" dirty="0"/>
+              <a:t>基数排序（</a:t>
+            </a:r>
+            <a:r>
+              <a:rPr lang="en" altLang="zh-CN" b="1" dirty="0"/>
+              <a:t>Radix Sort</a:t>
+            </a:r>
+            <a:r>
+              <a:rPr lang="zh-CN" altLang="en" b="1" dirty="0"/>
+              <a:t>）</a:t>
+            </a:r>
+            <a:endParaRPr kumimoji="1" lang="zh-CN" altLang="en-US" dirty="0"/>
+          </a:p>
+        </p:txBody>
+      </p:sp>
+      <p:sp>
+        <p:nvSpPr>
+          <p:cNvPr id="3" name="内容占位符 2">
+            <a:extLst>
+              <a:ext uri="{FF2B5EF4-FFF2-40B4-BE49-F238E27FC236}">
+                <a16:creationId xmlns:a16="http://schemas.microsoft.com/office/drawing/2014/main" id="{9A82BCC4-243D-9E43-BBFA-66F0D14E28E0}"/>
+              </a:ext>
+            </a:extLst>
+          </p:cNvPr>
+          <p:cNvSpPr>
+            <a:spLocks noGrp="1"/>
+          </p:cNvSpPr>
+          <p:nvPr>
+            <p:ph idx="1"/>
+          </p:nvPr>
+        </p:nvSpPr>
+        <p:spPr/>
+        <p:txBody>
+          <a:bodyPr>
+            <a:normAutofit/>
+          </a:bodyPr>
+          <a:lstStyle/>
+          <a:p>
+            <a:r>
+              <a:rPr kumimoji="1" lang="zh-CN" altLang="en-US" dirty="0"/>
+              <a:t>基数排序也是非比较的排序算法，对每一位进行排序，从最低位开始排序，复杂度为</a:t>
+            </a:r>
+            <a:r>
+              <a:rPr kumimoji="1" lang="en" altLang="zh-CN" dirty="0"/>
+              <a:t>O(</a:t>
+            </a:r>
+            <a:r>
+              <a:rPr kumimoji="1" lang="en" altLang="zh-CN" dirty="0" err="1"/>
+              <a:t>kn</a:t>
+            </a:r>
+            <a:r>
+              <a:rPr kumimoji="1" lang="en" altLang="zh-CN" dirty="0"/>
+              <a:t>),</a:t>
+            </a:r>
+            <a:r>
+              <a:rPr kumimoji="1" lang="zh-CN" altLang="en-US" dirty="0"/>
+              <a:t>为数组长度，</a:t>
+            </a:r>
+            <a:r>
+              <a:rPr kumimoji="1" lang="en" altLang="zh-CN" dirty="0"/>
+              <a:t>k</a:t>
+            </a:r>
+            <a:r>
+              <a:rPr kumimoji="1" lang="zh-CN" altLang="en-US" dirty="0"/>
+              <a:t>为数组中的数的最大的位数；</a:t>
+            </a:r>
+          </a:p>
+          <a:p>
+            <a:endParaRPr kumimoji="1" lang="zh-CN" altLang="en-US" dirty="0"/>
+          </a:p>
+          <a:p>
+            <a:r>
+              <a:rPr kumimoji="1" lang="zh-CN" altLang="en-US" dirty="0"/>
+              <a:t>    基数排序是按照低位先排序，然后收集；再按照高位排序，然后再收集；依次类推，直到最高位。有时候有些属性是有优先级顺序的，先按低优先级排序，再按高优先级排序。最后的次序就是高优先级高的在前，高优先级相同的低优先级高的在前。基数排序基于分别排序，分别收集，所以是稳定的。</a:t>
+            </a:r>
+          </a:p>
+        </p:txBody>
+      </p:sp>
+    </p:spTree>
+    <p:extLst>
+      <p:ext uri="{BB962C8B-B14F-4D97-AF65-F5344CB8AC3E}">
+        <p14:creationId xmlns:p14="http://schemas.microsoft.com/office/powerpoint/2010/main" val="408812347"/>
+      </p:ext>
+    </p:extLst>
+  </p:cSld>
+  <p:clrMapOvr>
+    <a:masterClrMapping/>
+  </p:clrMapOvr>
+</p:sld>
+</file>
+
 <file path=ppt/slides/slide2.xml><?xml version="1.0" encoding="utf-8"?>
 <p:sld xmlns:a="http://schemas.openxmlformats.org/drawingml/2006/main" xmlns:r="http://schemas.openxmlformats.org/officeDocument/2006/relationships" xmlns:p="http://schemas.openxmlformats.org/presentationml/2006/main">
   <p:cSld>
@@ -3878,6 +4912,232 @@
     <p:extLst>
       <p:ext uri="{BB962C8B-B14F-4D97-AF65-F5344CB8AC3E}">
         <p14:creationId xmlns:p14="http://schemas.microsoft.com/office/powerpoint/2010/main" val="22551916"/>
+      </p:ext>
+    </p:extLst>
+  </p:cSld>
+  <p:clrMapOvr>
+    <a:masterClrMapping/>
+  </p:clrMapOvr>
+</p:sld>
+</file>
+
+<file path=ppt/slides/slide20.xml><?xml version="1.0" encoding="utf-8"?>
+<p:sld xmlns:a="http://schemas.openxmlformats.org/drawingml/2006/main" xmlns:r="http://schemas.openxmlformats.org/officeDocument/2006/relationships" xmlns:p="http://schemas.openxmlformats.org/presentationml/2006/main">
+  <p:cSld>
+    <p:spTree>
+      <p:nvGrpSpPr>
+        <p:cNvPr id="1" name=""/>
+        <p:cNvGrpSpPr/>
+        <p:nvPr/>
+      </p:nvGrpSpPr>
+      <p:grpSpPr>
+        <a:xfrm>
+          <a:off x="0" y="0"/>
+          <a:ext cx="0" cy="0"/>
+          <a:chOff x="0" y="0"/>
+          <a:chExt cx="0" cy="0"/>
+        </a:xfrm>
+      </p:grpSpPr>
+      <p:sp>
+        <p:nvSpPr>
+          <p:cNvPr id="2" name="标题 1">
+            <a:extLst>
+              <a:ext uri="{FF2B5EF4-FFF2-40B4-BE49-F238E27FC236}">
+                <a16:creationId xmlns:a16="http://schemas.microsoft.com/office/drawing/2014/main" id="{D24B343B-BBBD-8E4E-BBE6-8D09E740C2CE}"/>
+              </a:ext>
+            </a:extLst>
+          </p:cNvPr>
+          <p:cNvSpPr>
+            <a:spLocks noGrp="1"/>
+          </p:cNvSpPr>
+          <p:nvPr>
+            <p:ph type="title"/>
+          </p:nvPr>
+        </p:nvSpPr>
+        <p:spPr/>
+        <p:txBody>
+          <a:bodyPr/>
+          <a:lstStyle/>
+          <a:p>
+            <a:r>
+              <a:rPr kumimoji="1" lang="zh-CN" altLang="en-US" dirty="0"/>
+              <a:t>基数排序</a:t>
+            </a:r>
+          </a:p>
+        </p:txBody>
+      </p:sp>
+      <p:sp>
+        <p:nvSpPr>
+          <p:cNvPr id="3" name="内容占位符 2">
+            <a:extLst>
+              <a:ext uri="{FF2B5EF4-FFF2-40B4-BE49-F238E27FC236}">
+                <a16:creationId xmlns:a16="http://schemas.microsoft.com/office/drawing/2014/main" id="{9769C053-C9E1-AA47-98D6-E58484CDB04D}"/>
+              </a:ext>
+            </a:extLst>
+          </p:cNvPr>
+          <p:cNvSpPr>
+            <a:spLocks noGrp="1"/>
+          </p:cNvSpPr>
+          <p:nvPr>
+            <p:ph idx="1"/>
+          </p:nvPr>
+        </p:nvSpPr>
+        <p:spPr/>
+        <p:txBody>
+          <a:bodyPr/>
+          <a:lstStyle/>
+          <a:p>
+            <a:r>
+              <a:rPr lang="zh-CN" altLang="en-US" dirty="0"/>
+              <a:t>步骤</a:t>
+            </a:r>
+            <a:r>
+              <a:rPr lang="en-US" altLang="zh-CN" dirty="0"/>
+              <a:t>1</a:t>
+            </a:r>
+            <a:r>
+              <a:rPr lang="zh-CN" altLang="en-US" dirty="0"/>
+              <a:t>：取得数组中的最大数，并取得位数；</a:t>
+            </a:r>
+          </a:p>
+          <a:p>
+            <a:r>
+              <a:rPr lang="zh-CN" altLang="en-US" dirty="0"/>
+              <a:t>步骤</a:t>
+            </a:r>
+            <a:r>
+              <a:rPr lang="en-US" altLang="zh-CN" dirty="0"/>
+              <a:t>2</a:t>
+            </a:r>
+            <a:r>
+              <a:rPr lang="zh-CN" altLang="en-US" dirty="0"/>
+              <a:t>：</a:t>
+            </a:r>
+            <a:r>
+              <a:rPr lang="en" altLang="zh-CN" dirty="0" err="1"/>
+              <a:t>arr</a:t>
+            </a:r>
+            <a:r>
+              <a:rPr lang="zh-CN" altLang="en-US" dirty="0"/>
+              <a:t>为原始数组，从最低位开始取每个位组成</a:t>
+            </a:r>
+            <a:r>
+              <a:rPr lang="en" altLang="zh-CN" dirty="0"/>
+              <a:t>radix</a:t>
+            </a:r>
+            <a:r>
+              <a:rPr lang="zh-CN" altLang="en-US" dirty="0"/>
+              <a:t>数组；</a:t>
+            </a:r>
+          </a:p>
+          <a:p>
+            <a:r>
+              <a:rPr lang="zh-CN" altLang="en-US" dirty="0"/>
+              <a:t>步骤</a:t>
+            </a:r>
+            <a:r>
+              <a:rPr lang="en-US" altLang="zh-CN" dirty="0"/>
+              <a:t>3</a:t>
+            </a:r>
+            <a:r>
+              <a:rPr lang="zh-CN" altLang="en-US" dirty="0"/>
+              <a:t>：对</a:t>
+            </a:r>
+            <a:r>
+              <a:rPr lang="en" altLang="zh-CN" dirty="0"/>
+              <a:t>radix</a:t>
+            </a:r>
+            <a:r>
+              <a:rPr lang="zh-CN" altLang="en-US" dirty="0"/>
+              <a:t>进行计数排序（利用计数排序适用于小范围数的特点）；</a:t>
+            </a:r>
+          </a:p>
+          <a:p>
+            <a:endParaRPr kumimoji="1" lang="zh-CN" altLang="en-US" dirty="0"/>
+          </a:p>
+        </p:txBody>
+      </p:sp>
+    </p:spTree>
+    <p:extLst>
+      <p:ext uri="{BB962C8B-B14F-4D97-AF65-F5344CB8AC3E}">
+        <p14:creationId xmlns:p14="http://schemas.microsoft.com/office/powerpoint/2010/main" val="362419045"/>
+      </p:ext>
+    </p:extLst>
+  </p:cSld>
+  <p:clrMapOvr>
+    <a:masterClrMapping/>
+  </p:clrMapOvr>
+</p:sld>
+</file>
+
+<file path=ppt/slides/slide21.xml><?xml version="1.0" encoding="utf-8"?>
+<p:sld xmlns:a="http://schemas.openxmlformats.org/drawingml/2006/main" xmlns:r="http://schemas.openxmlformats.org/officeDocument/2006/relationships" xmlns:p="http://schemas.openxmlformats.org/presentationml/2006/main">
+  <p:cSld>
+    <p:spTree>
+      <p:nvGrpSpPr>
+        <p:cNvPr id="1" name=""/>
+        <p:cNvGrpSpPr/>
+        <p:nvPr/>
+      </p:nvGrpSpPr>
+      <p:grpSpPr>
+        <a:xfrm>
+          <a:off x="0" y="0"/>
+          <a:ext cx="0" cy="0"/>
+          <a:chOff x="0" y="0"/>
+          <a:chExt cx="0" cy="0"/>
+        </a:xfrm>
+      </p:grpSpPr>
+      <p:pic>
+        <p:nvPicPr>
+          <p:cNvPr id="3074" name="Picture 2" descr="image">
+            <a:extLst>
+              <a:ext uri="{FF2B5EF4-FFF2-40B4-BE49-F238E27FC236}">
+                <a16:creationId xmlns:a16="http://schemas.microsoft.com/office/drawing/2014/main" id="{39D13DD6-722D-B84E-A432-60C4479EB69C}"/>
+              </a:ext>
+            </a:extLst>
+          </p:cNvPr>
+          <p:cNvPicPr>
+            <a:picLocks noChangeAspect="1" noChangeArrowheads="1"/>
+          </p:cNvPicPr>
+          <p:nvPr/>
+        </p:nvPicPr>
+        <p:blipFill>
+          <a:blip r:embed="rId2">
+            <a:extLst>
+              <a:ext uri="{28A0092B-C50C-407E-A947-70E740481C1C}">
+                <a14:useLocalDpi xmlns:a14="http://schemas.microsoft.com/office/drawing/2010/main" val="0"/>
+              </a:ext>
+            </a:extLst>
+          </a:blip>
+          <a:srcRect/>
+          <a:stretch>
+            <a:fillRect/>
+          </a:stretch>
+        </p:blipFill>
+        <p:spPr bwMode="auto">
+          <a:xfrm>
+            <a:off x="1385277" y="962917"/>
+            <a:ext cx="9421446" cy="5344098"/>
+          </a:xfrm>
+          <a:prstGeom prst="rect">
+            <a:avLst/>
+          </a:prstGeom>
+          <a:noFill/>
+          <a:extLst>
+            <a:ext uri="{909E8E84-426E-40DD-AFC4-6F175D3DCCD1}">
+              <a14:hiddenFill xmlns:a14="http://schemas.microsoft.com/office/drawing/2010/main">
+                <a:solidFill>
+                  <a:srgbClr val="FFFFFF"/>
+                </a:solidFill>
+              </a14:hiddenFill>
+            </a:ext>
+          </a:extLst>
+        </p:spPr>
+      </p:pic>
+    </p:spTree>
+    <p:extLst>
+      <p:ext uri="{BB962C8B-B14F-4D97-AF65-F5344CB8AC3E}">
+        <p14:creationId xmlns:p14="http://schemas.microsoft.com/office/powerpoint/2010/main" val="2585936027"/>
       </p:ext>
     </p:extLst>
   </p:cSld>
